--- a/presentation/14.StyleGAN2/StyleGAN2.pptx
+++ b/presentation/14.StyleGAN2/StyleGAN2.pptx
@@ -223,7 +223,7 @@
           <a:p>
             <a:fld id="{57A5FF2B-BB8B-4DD9-B2DE-E33269993E58}" type="datetimeFigureOut">
               <a:rPr lang="ko-KR" altLang="en-US" smtClean="0"/>
-              <a:t>2021-04-16</a:t>
+              <a:t>2021-05-01</a:t>
             </a:fld>
             <a:endParaRPr lang="ko-KR" altLang="en-US"/>
           </a:p>
@@ -1890,7 +1890,7 @@
           <a:p>
             <a:fld id="{2BCAA46B-C500-41FC-BB5F-45538331ADDF}" type="datetime1">
               <a:rPr lang="ko-KR" altLang="en-US" smtClean="0"/>
-              <a:t>2021-04-16</a:t>
+              <a:t>2021-05-01</a:t>
             </a:fld>
             <a:endParaRPr lang="ko-KR" altLang="en-US"/>
           </a:p>
@@ -2064,7 +2064,7 @@
           <a:p>
             <a:fld id="{E9BCDC8B-9707-4883-BE50-E7263D5E19BE}" type="datetime1">
               <a:rPr lang="ko-KR" altLang="en-US" smtClean="0"/>
-              <a:t>2021-04-16</a:t>
+              <a:t>2021-05-01</a:t>
             </a:fld>
             <a:endParaRPr lang="ko-KR" altLang="en-US"/>
           </a:p>
@@ -2248,7 +2248,7 @@
           <a:p>
             <a:fld id="{E1EF8D17-597B-4BDA-8699-DEF006BA5BDA}" type="datetime1">
               <a:rPr lang="ko-KR" altLang="en-US" smtClean="0"/>
-              <a:t>2021-04-16</a:t>
+              <a:t>2021-05-01</a:t>
             </a:fld>
             <a:endParaRPr lang="ko-KR" altLang="en-US"/>
           </a:p>
@@ -2422,7 +2422,7 @@
           <a:p>
             <a:fld id="{A143FA55-4E9F-4278-A77A-895CD2D4080C}" type="datetime1">
               <a:rPr lang="ko-KR" altLang="en-US" smtClean="0"/>
-              <a:t>2021-04-16</a:t>
+              <a:t>2021-05-01</a:t>
             </a:fld>
             <a:endParaRPr lang="ko-KR" altLang="en-US"/>
           </a:p>
@@ -2672,7 +2672,7 @@
           <a:p>
             <a:fld id="{69DC575B-3091-419C-BB6D-0950C75B880F}" type="datetime1">
               <a:rPr lang="ko-KR" altLang="en-US" smtClean="0"/>
-              <a:t>2021-04-16</a:t>
+              <a:t>2021-05-01</a:t>
             </a:fld>
             <a:endParaRPr lang="ko-KR" altLang="en-US"/>
           </a:p>
@@ -2908,7 +2908,7 @@
           <a:p>
             <a:fld id="{61ED82CE-E3B1-4486-8EA8-CE6D9DB51830}" type="datetime1">
               <a:rPr lang="ko-KR" altLang="en-US" smtClean="0"/>
-              <a:t>2021-04-16</a:t>
+              <a:t>2021-05-01</a:t>
             </a:fld>
             <a:endParaRPr lang="ko-KR" altLang="en-US"/>
           </a:p>
@@ -3279,7 +3279,7 @@
           <a:p>
             <a:fld id="{996E465B-BC8F-4181-846B-3AF15F2B38FA}" type="datetime1">
               <a:rPr lang="ko-KR" altLang="en-US" smtClean="0"/>
-              <a:t>2021-04-16</a:t>
+              <a:t>2021-05-01</a:t>
             </a:fld>
             <a:endParaRPr lang="ko-KR" altLang="en-US"/>
           </a:p>
@@ -3401,7 +3401,7 @@
           <a:p>
             <a:fld id="{CA463F6F-1A33-4892-9D04-4784963E20A3}" type="datetime1">
               <a:rPr lang="ko-KR" altLang="en-US" smtClean="0"/>
-              <a:t>2021-04-16</a:t>
+              <a:t>2021-05-01</a:t>
             </a:fld>
             <a:endParaRPr lang="ko-KR" altLang="en-US"/>
           </a:p>
@@ -3500,7 +3500,7 @@
           <a:p>
             <a:fld id="{7B91D6C0-7D38-48F5-9EE9-657D440AB042}" type="datetime1">
               <a:rPr lang="ko-KR" altLang="en-US" smtClean="0"/>
-              <a:t>2021-04-16</a:t>
+              <a:t>2021-05-01</a:t>
             </a:fld>
             <a:endParaRPr lang="ko-KR" altLang="en-US"/>
           </a:p>
@@ -3781,7 +3781,7 @@
           <a:p>
             <a:fld id="{D2DF7EE9-6B23-4954-B4F1-1AE0586D6AE0}" type="datetime1">
               <a:rPr lang="ko-KR" altLang="en-US" smtClean="0"/>
-              <a:t>2021-04-16</a:t>
+              <a:t>2021-05-01</a:t>
             </a:fld>
             <a:endParaRPr lang="ko-KR" altLang="en-US"/>
           </a:p>
@@ -4038,7 +4038,7 @@
           <a:p>
             <a:fld id="{866EE1D5-CFFF-4AC3-9738-2263DFEDD0A8}" type="datetime1">
               <a:rPr lang="ko-KR" altLang="en-US" smtClean="0"/>
-              <a:t>2021-04-16</a:t>
+              <a:t>2021-05-01</a:t>
             </a:fld>
             <a:endParaRPr lang="ko-KR" altLang="en-US"/>
           </a:p>
@@ -4255,7 +4255,7 @@
           <a:p>
             <a:fld id="{FDA61F6B-F830-48A6-8AD6-A9751F40004F}" type="datetime1">
               <a:rPr lang="ko-KR" altLang="en-US" smtClean="0"/>
-              <a:t>2021-04-16</a:t>
+              <a:t>2021-05-01</a:t>
             </a:fld>
             <a:endParaRPr lang="ko-KR" altLang="en-US"/>
           </a:p>
@@ -5145,17 +5145,7 @@
                 <a:latin typeface="Times New Roman" panose="02020603050405020304" pitchFamily="18" charset="0"/>
                 <a:cs typeface="Times New Roman" panose="02020603050405020304" pitchFamily="18" charset="0"/>
               </a:rPr>
-              <a:t>E. Phase </a:t>
-            </a:r>
-            <a:r>
-              <a:rPr lang="en-US" altLang="ko-KR" sz="2400" b="1" dirty="0" smtClean="0">
-                <a:solidFill>
-                  <a:srgbClr val="002060"/>
-                </a:solidFill>
-                <a:latin typeface="Times New Roman" panose="02020603050405020304" pitchFamily="18" charset="0"/>
-                <a:cs typeface="Times New Roman" panose="02020603050405020304" pitchFamily="18" charset="0"/>
-              </a:rPr>
-              <a:t>artifact (cont.)</a:t>
+              <a:t>E. Phase artifact (cont.)</a:t>
             </a:r>
             <a:endParaRPr lang="ko-KR" altLang="en-US" sz="2400" b="1" dirty="0" smtClean="0">
               <a:solidFill>
@@ -5623,17 +5613,7 @@
                 <a:latin typeface="Times New Roman" panose="02020603050405020304" pitchFamily="18" charset="0"/>
                 <a:cs typeface="Times New Roman" panose="02020603050405020304" pitchFamily="18" charset="0"/>
               </a:rPr>
-              <a:t>F. Large </a:t>
-            </a:r>
-            <a:r>
-              <a:rPr lang="en-US" altLang="ko-KR" sz="2400" b="1" dirty="0" smtClean="0">
-                <a:solidFill>
-                  <a:srgbClr val="002060"/>
-                </a:solidFill>
-                <a:latin typeface="Times New Roman" panose="02020603050405020304" pitchFamily="18" charset="0"/>
-                <a:cs typeface="Times New Roman" panose="02020603050405020304" pitchFamily="18" charset="0"/>
-              </a:rPr>
-              <a:t>Networks</a:t>
+              <a:t>F. Large Networks</a:t>
             </a:r>
             <a:endParaRPr lang="ko-KR" altLang="en-US" sz="2400" b="1" dirty="0" smtClean="0">
               <a:solidFill>
@@ -6803,18 +6783,7 @@
                 <a:cs typeface="Times New Roman" panose="02020603050405020304" pitchFamily="18" charset="0"/>
                 <a:sym typeface="Wingdings" panose="05000000000000000000" pitchFamily="2" charset="2"/>
               </a:rPr>
-              <a:t> 제</a:t>
-            </a:r>
-            <a:r>
-              <a:rPr lang="ko-KR" altLang="en-US" b="1" dirty="0" smtClean="0">
-                <a:solidFill>
-                  <a:schemeClr val="tx1"/>
-                </a:solidFill>
-                <a:latin typeface="Times New Roman" panose="02020603050405020304" pitchFamily="18" charset="0"/>
-                <a:cs typeface="Times New Roman" panose="02020603050405020304" pitchFamily="18" charset="0"/>
-                <a:sym typeface="Wingdings" panose="05000000000000000000" pitchFamily="2" charset="2"/>
-              </a:rPr>
-              <a:t>시</a:t>
+              <a:t> 제시</a:t>
             </a:r>
             <a:endParaRPr lang="en-US" altLang="ko-KR" b="1" dirty="0" smtClean="0">
               <a:solidFill>
@@ -6917,14 +6886,6 @@
               </a:rPr>
               <a:t>Large Network</a:t>
             </a:r>
-            <a:endParaRPr lang="en-US" altLang="ko-KR" b="1" dirty="0" smtClean="0">
-              <a:solidFill>
-                <a:schemeClr val="tx1"/>
-              </a:solidFill>
-              <a:latin typeface="Times New Roman" panose="02020603050405020304" pitchFamily="18" charset="0"/>
-              <a:cs typeface="Times New Roman" panose="02020603050405020304" pitchFamily="18" charset="0"/>
-              <a:sym typeface="Wingdings" panose="05000000000000000000" pitchFamily="2" charset="2"/>
-            </a:endParaRPr>
           </a:p>
         </p:txBody>
       </p:sp>
@@ -8436,17 +8397,7 @@
                 <a:latin typeface="Times New Roman" panose="02020603050405020304" pitchFamily="18" charset="0"/>
                 <a:cs typeface="Times New Roman" panose="02020603050405020304" pitchFamily="18" charset="0"/>
               </a:rPr>
-              <a:t>B. Weight </a:t>
-            </a:r>
-            <a:r>
-              <a:rPr lang="en-US" altLang="ko-KR" sz="2400" b="1" dirty="0" smtClean="0">
-                <a:solidFill>
-                  <a:srgbClr val="002060"/>
-                </a:solidFill>
-                <a:latin typeface="Times New Roman" panose="02020603050405020304" pitchFamily="18" charset="0"/>
-                <a:cs typeface="Times New Roman" panose="02020603050405020304" pitchFamily="18" charset="0"/>
-              </a:rPr>
-              <a:t>demodulation</a:t>
+              <a:t>B. Weight demodulation</a:t>
             </a:r>
             <a:endParaRPr lang="ko-KR" altLang="en-US" sz="2400" b="1" dirty="0" smtClean="0">
               <a:solidFill>
@@ -9040,17 +8991,7 @@
                 <a:latin typeface="Times New Roman" panose="02020603050405020304" pitchFamily="18" charset="0"/>
                 <a:cs typeface="Times New Roman" panose="02020603050405020304" pitchFamily="18" charset="0"/>
               </a:rPr>
-              <a:t>D. Perceptual </a:t>
-            </a:r>
-            <a:r>
-              <a:rPr lang="en-US" altLang="ko-KR" sz="2400" b="1" dirty="0" smtClean="0">
-                <a:solidFill>
-                  <a:srgbClr val="002060"/>
-                </a:solidFill>
-                <a:latin typeface="Times New Roman" panose="02020603050405020304" pitchFamily="18" charset="0"/>
-                <a:cs typeface="Times New Roman" panose="02020603050405020304" pitchFamily="18" charset="0"/>
-              </a:rPr>
-              <a:t>Path Length</a:t>
+              <a:t>D. Perceptual Path Length</a:t>
             </a:r>
             <a:endParaRPr lang="ko-KR" altLang="en-US" sz="2400" b="1" dirty="0" smtClean="0">
               <a:solidFill>
@@ -9505,17 +9446,7 @@
                 <a:latin typeface="Times New Roman" panose="02020603050405020304" pitchFamily="18" charset="0"/>
                 <a:cs typeface="Times New Roman" panose="02020603050405020304" pitchFamily="18" charset="0"/>
               </a:rPr>
-              <a:t>D. Perceptual </a:t>
-            </a:r>
-            <a:r>
-              <a:rPr lang="en-US" altLang="ko-KR" sz="2400" b="1" dirty="0" smtClean="0">
-                <a:solidFill>
-                  <a:srgbClr val="002060"/>
-                </a:solidFill>
-                <a:latin typeface="Times New Roman" panose="02020603050405020304" pitchFamily="18" charset="0"/>
-                <a:cs typeface="Times New Roman" panose="02020603050405020304" pitchFamily="18" charset="0"/>
-              </a:rPr>
-              <a:t>Path Length (Cont.)</a:t>
+              <a:t>D. Perceptual Path Length (Cont.)</a:t>
             </a:r>
             <a:endParaRPr lang="ko-KR" altLang="en-US" sz="2400" b="1" dirty="0" smtClean="0">
               <a:solidFill>
@@ -9582,18 +9513,7 @@
                 <a:cs typeface="Times New Roman" panose="02020603050405020304" pitchFamily="18" charset="0"/>
                 <a:sym typeface="Wingdings" panose="05000000000000000000" pitchFamily="2" charset="2"/>
               </a:rPr>
-              <a:t>PPL (Perceptual Path Length</a:t>
-            </a:r>
-            <a:r>
-              <a:rPr lang="en-US" altLang="ko-KR" b="1" dirty="0" smtClean="0">
-                <a:solidFill>
-                  <a:schemeClr val="tx1"/>
-                </a:solidFill>
-                <a:latin typeface="Times New Roman" panose="02020603050405020304" pitchFamily="18" charset="0"/>
-                <a:cs typeface="Times New Roman" panose="02020603050405020304" pitchFamily="18" charset="0"/>
-                <a:sym typeface="Wingdings" panose="05000000000000000000" pitchFamily="2" charset="2"/>
-              </a:rPr>
-              <a:t>)</a:t>
+              <a:t>PPL (Perceptual Path Length)</a:t>
             </a:r>
           </a:p>
           <a:p>
@@ -10181,37 +10101,7 @@
                 <a:latin typeface="Times New Roman" panose="02020603050405020304" pitchFamily="18" charset="0"/>
                 <a:cs typeface="Times New Roman" panose="02020603050405020304" pitchFamily="18" charset="0"/>
               </a:rPr>
-              <a:t>D. Path </a:t>
-            </a:r>
-            <a:r>
-              <a:rPr lang="en-US" altLang="ko-KR" sz="2400" b="1" dirty="0" smtClean="0">
-                <a:solidFill>
-                  <a:srgbClr val="002060"/>
-                </a:solidFill>
-                <a:latin typeface="Times New Roman" panose="02020603050405020304" pitchFamily="18" charset="0"/>
-                <a:cs typeface="Times New Roman" panose="02020603050405020304" pitchFamily="18" charset="0"/>
-              </a:rPr>
-              <a:t>Length Regularization &amp; </a:t>
-            </a:r>
-            <a:r>
-              <a:rPr lang="en-US" altLang="ko-KR" sz="2400" b="1" dirty="0" smtClean="0">
-                <a:solidFill>
-                  <a:srgbClr val="002060"/>
-                </a:solidFill>
-                <a:latin typeface="Times New Roman" panose="02020603050405020304" pitchFamily="18" charset="0"/>
-                <a:cs typeface="Times New Roman" panose="02020603050405020304" pitchFamily="18" charset="0"/>
-              </a:rPr>
-              <a:t>C. Lazy </a:t>
-            </a:r>
-            <a:r>
-              <a:rPr lang="en-US" altLang="ko-KR" sz="2400" b="1" dirty="0" smtClean="0">
-                <a:solidFill>
-                  <a:srgbClr val="002060"/>
-                </a:solidFill>
-                <a:latin typeface="Times New Roman" panose="02020603050405020304" pitchFamily="18" charset="0"/>
-                <a:cs typeface="Times New Roman" panose="02020603050405020304" pitchFamily="18" charset="0"/>
-              </a:rPr>
-              <a:t>Regularization</a:t>
+              <a:t>D. Path Length Regularization &amp; C. Lazy Regularization</a:t>
             </a:r>
             <a:endParaRPr lang="ko-KR" altLang="en-US" sz="2400" b="1" dirty="0" smtClean="0">
               <a:solidFill>
@@ -10223,8 +10113,8 @@
           </a:p>
         </p:txBody>
       </p:sp>
-      <mc:AlternateContent xmlns:mc="http://schemas.openxmlformats.org/markup-compatibility/2006">
-        <mc:Choice xmlns:a14="http://schemas.microsoft.com/office/drawing/2010/main" Requires="a14">
+      <mc:AlternateContent xmlns:mc="http://schemas.openxmlformats.org/markup-compatibility/2006" xmlns:a14="http://schemas.microsoft.com/office/drawing/2010/main">
+        <mc:Choice Requires="a14">
           <p:sp>
             <p:nvSpPr>
               <p:cNvPr id="3" name="직사각형 2"/>
@@ -10407,14 +10297,6 @@
                   </a:rPr>
                   <a:t>derivation</a:t>
                 </a:r>
-                <a:endParaRPr lang="en-US" altLang="ko-KR" sz="1400" b="1" dirty="0" smtClean="0">
-                  <a:solidFill>
-                    <a:schemeClr val="tx1"/>
-                  </a:solidFill>
-                  <a:latin typeface="Times New Roman" panose="02020603050405020304" pitchFamily="18" charset="0"/>
-                  <a:cs typeface="Times New Roman" panose="02020603050405020304" pitchFamily="18" charset="0"/>
-                  <a:sym typeface="Wingdings" panose="05000000000000000000" pitchFamily="2" charset="2"/>
-                </a:endParaRPr>
               </a:p>
               <a:p>
                 <a:pPr marL="742950" lvl="1" indent="-285750">
@@ -10725,7 +10607,7 @@
             </p:txBody>
           </p:sp>
         </mc:Choice>
-        <mc:Fallback>
+        <mc:Fallback xmlns="">
           <p:sp>
             <p:nvSpPr>
               <p:cNvPr id="3" name="직사각형 2"/>
@@ -11058,17 +10940,7 @@
                 <a:latin typeface="Times New Roman" panose="02020603050405020304" pitchFamily="18" charset="0"/>
                 <a:cs typeface="Times New Roman" panose="02020603050405020304" pitchFamily="18" charset="0"/>
               </a:rPr>
-              <a:t>E. Phase </a:t>
-            </a:r>
-            <a:r>
-              <a:rPr lang="en-US" altLang="ko-KR" sz="2400" b="1" dirty="0" smtClean="0">
-                <a:solidFill>
-                  <a:srgbClr val="002060"/>
-                </a:solidFill>
-                <a:latin typeface="Times New Roman" panose="02020603050405020304" pitchFamily="18" charset="0"/>
-                <a:cs typeface="Times New Roman" panose="02020603050405020304" pitchFamily="18" charset="0"/>
-              </a:rPr>
-              <a:t>artifact</a:t>
+              <a:t>E. Phase artifact</a:t>
             </a:r>
             <a:endParaRPr lang="ko-KR" altLang="en-US" sz="2400" b="1" dirty="0" smtClean="0">
               <a:solidFill>
